--- a/Pitch Drafts/Christchurch Mansion DMC Pitch3.pptx
+++ b/Pitch Drafts/Christchurch Mansion DMC Pitch3.pptx
@@ -19858,26 +19858,26 @@
           <a:lstStyle/>
           <a:p>
             <a:r>
-              <a:rPr lang="en-GB" dirty="0"/>
+              <a:rPr lang="en-GB" sz="2800" dirty="0"/>
               <a:t>A mobile game developed for android devices featuring:</a:t>
             </a:r>
           </a:p>
           <a:p>
             <a:r>
-              <a:rPr lang="en-GB" dirty="0"/>
+              <a:rPr lang="en-GB" sz="2800" dirty="0"/>
               <a:t>At least 8 of the museums rooms containing playable minigames and information</a:t>
             </a:r>
           </a:p>
           <a:p>
             <a:r>
-              <a:rPr lang="en-GB" dirty="0"/>
+              <a:rPr lang="en-GB" sz="2800" dirty="0"/>
               <a:t>A story revolving around the player and Felix </a:t>
             </a:r>
             <a:r>
-              <a:rPr lang="en-GB" dirty="0" err="1"/>
+              <a:rPr lang="en-GB" sz="2800" dirty="0" err="1"/>
               <a:t>Cobbold</a:t>
             </a:r>
-            <a:endParaRPr lang="en-GB" dirty="0"/>
+            <a:endParaRPr lang="en-GB" sz="2800" dirty="0"/>
           </a:p>
           <a:p>
             <a:endParaRPr lang="en-GB" dirty="0"/>
@@ -19957,14 +19957,14 @@
           <p:nvPr>
             <p:extLst>
               <p:ext uri="{D42A27DB-BD31-4B8C-83A1-F6EECF244321}">
-                <p14:modId xmlns:p14="http://schemas.microsoft.com/office/powerpoint/2010/main" val="1111504590"/>
+                <p14:modId xmlns:p14="http://schemas.microsoft.com/office/powerpoint/2010/main" val="4246489711"/>
               </p:ext>
             </p:extLst>
           </p:nvPr>
         </p:nvGraphicFramePr>
         <p:xfrm>
-          <a:off x="1577493" y="2273259"/>
-          <a:ext cx="8128000" cy="3108960"/>
+          <a:off x="677334" y="1473694"/>
+          <a:ext cx="9856946" cy="4876932"/>
         </p:xfrm>
         <a:graphic>
           <a:graphicData uri="http://schemas.openxmlformats.org/drawingml/2006/table">
@@ -19973,14 +19973,14 @@
                 <a:tableStyleId>{18603FDC-E32A-4AB5-989C-0864C3EAD2B8}</a:tableStyleId>
               </a:tblPr>
               <a:tblGrid>
-                <a:gridCol w="4064000">
+                <a:gridCol w="3148942">
                   <a:extLst>
                     <a:ext uri="{9D8B030D-6E8A-4147-A177-3AD203B41FA5}">
                       <a16:colId xmlns:a16="http://schemas.microsoft.com/office/drawing/2014/main" val="1530049819"/>
                     </a:ext>
                   </a:extLst>
                 </a:gridCol>
-                <a:gridCol w="4064000">
+                <a:gridCol w="6708004">
                   <a:extLst>
                     <a:ext uri="{9D8B030D-6E8A-4147-A177-3AD203B41FA5}">
                       <a16:colId xmlns:a16="http://schemas.microsoft.com/office/drawing/2014/main" val="3222493064"/>
@@ -19988,14 +19988,14 @@
                   </a:extLst>
                 </a:gridCol>
               </a:tblGrid>
-              <a:tr h="370840">
+              <a:tr h="823068">
                 <a:tc>
                   <a:txBody>
                     <a:bodyPr/>
                     <a:lstStyle/>
                     <a:p>
                       <a:r>
-                        <a:rPr lang="en-GB" dirty="0"/>
+                        <a:rPr lang="en-GB" sz="2800" dirty="0"/>
                         <a:t>November 2019</a:t>
                       </a:r>
                     </a:p>
@@ -20008,7 +20008,7 @@
                     <a:lstStyle/>
                     <a:p>
                       <a:r>
-                        <a:rPr lang="en-GB" dirty="0"/>
+                        <a:rPr lang="en-GB" sz="2800" dirty="0"/>
                         <a:t>Paper Prototypes and Concept Art Complete</a:t>
                       </a:r>
                     </a:p>
@@ -20021,14 +20021,14 @@
                   </a:ext>
                 </a:extLst>
               </a:tr>
-              <a:tr h="370840">
+              <a:tr h="823068">
                 <a:tc>
                   <a:txBody>
                     <a:bodyPr/>
                     <a:lstStyle/>
                     <a:p>
                       <a:r>
-                        <a:rPr lang="en-GB" dirty="0"/>
+                        <a:rPr lang="en-GB" sz="2800" dirty="0"/>
                         <a:t>December 2019</a:t>
                       </a:r>
                     </a:p>
@@ -20041,7 +20041,7 @@
                     <a:lstStyle/>
                     <a:p>
                       <a:r>
-                        <a:rPr lang="en-GB" dirty="0"/>
+                        <a:rPr lang="en-GB" sz="2800" dirty="0"/>
                         <a:t>Key Research and Core game Prototypes complete</a:t>
                       </a:r>
                     </a:p>
@@ -20054,14 +20054,14 @@
                   </a:ext>
                 </a:extLst>
               </a:tr>
-              <a:tr h="370840">
+              <a:tr h="457260">
                 <a:tc>
                   <a:txBody>
                     <a:bodyPr/>
                     <a:lstStyle/>
                     <a:p>
                       <a:r>
-                        <a:rPr lang="en-GB" dirty="0"/>
+                        <a:rPr lang="en-GB" sz="2800" dirty="0"/>
                         <a:t>January 2020</a:t>
                       </a:r>
                     </a:p>
@@ -20074,13 +20074,13 @@
                     <a:lstStyle/>
                     <a:p>
                       <a:r>
-                        <a:rPr lang="en-GB" dirty="0"/>
+                        <a:rPr lang="en-GB" sz="2800" dirty="0"/>
                         <a:t>Active Development Room creation:</a:t>
                       </a:r>
                     </a:p>
                     <a:p>
                       <a:r>
-                        <a:rPr lang="en-GB" dirty="0"/>
+                        <a:rPr lang="en-GB" sz="2800" dirty="0"/>
                         <a:t>Every Week/Fortnight: research a room, create art and a minigame for it and then playtest it.</a:t>
                       </a:r>
                     </a:p>
@@ -20093,14 +20093,14 @@
                   </a:ext>
                 </a:extLst>
               </a:tr>
-              <a:tr h="370840">
+              <a:tr h="457260">
                 <a:tc>
                   <a:txBody>
                     <a:bodyPr/>
                     <a:lstStyle/>
                     <a:p>
                       <a:r>
-                        <a:rPr lang="en-GB" dirty="0"/>
+                        <a:rPr lang="en-GB" sz="2800" dirty="0"/>
                         <a:t>February 2020</a:t>
                       </a:r>
                     </a:p>
@@ -20123,14 +20123,14 @@
                   </a:ext>
                 </a:extLst>
               </a:tr>
-              <a:tr h="370840">
+              <a:tr h="1005972">
                 <a:tc>
                   <a:txBody>
                     <a:bodyPr/>
                     <a:lstStyle/>
                     <a:p>
                       <a:r>
-                        <a:rPr lang="en-GB" dirty="0"/>
+                        <a:rPr lang="en-GB" sz="2800" dirty="0"/>
                         <a:t>March 2020</a:t>
                       </a:r>
                     </a:p>
@@ -20153,14 +20153,14 @@
                   </a:ext>
                 </a:extLst>
               </a:tr>
-              <a:tr h="370840">
+              <a:tr h="823068">
                 <a:tc>
                   <a:txBody>
                     <a:bodyPr/>
                     <a:lstStyle/>
                     <a:p>
                       <a:r>
-                        <a:rPr lang="en-GB" dirty="0"/>
+                        <a:rPr lang="en-GB" sz="2800" dirty="0"/>
                         <a:t>April 2020</a:t>
                       </a:r>
                     </a:p>
@@ -20173,7 +20173,7 @@
                     <a:lstStyle/>
                     <a:p>
                       <a:r>
-                        <a:rPr lang="en-GB" dirty="0"/>
+                        <a:rPr lang="en-GB" sz="2800" dirty="0"/>
                         <a:t>Polish existing minigames, playtest full game and fix bugs</a:t>
                       </a:r>
                     </a:p>
